--- a/Presentation/Prezentare_Proiect_MLAgents.pptx
+++ b/Presentation/Prezentare_Proiect_MLAgents.pptx
@@ -4186,10 +4186,10 @@
       </p:sp>
       <p:pic>
         <p:nvPicPr>
-          <p:cNvPr id="5" name="Content Placeholder 4">
+          <p:cNvPr id="8" name="Content Placeholder 7">
             <a:extLst>
               <a:ext uri="{FF2B5EF4-FFF2-40B4-BE49-F238E27FC236}">
-                <a16:creationId xmlns:a16="http://schemas.microsoft.com/office/drawing/2014/main" id="{D0C68310-BD43-8F86-B1E5-60E31FC5FB1F}"/>
+                <a16:creationId xmlns:a16="http://schemas.microsoft.com/office/drawing/2014/main" id="{1AD7BC1D-24C3-5063-9CFE-5FAA0840A474}"/>
               </a:ext>
             </a:extLst>
           </p:cNvPr>
@@ -4208,17 +4208,17 @@
         </p:blipFill>
         <p:spPr>
           <a:xfrm>
-            <a:off x="457200" y="1442705"/>
-            <a:ext cx="4773561" cy="2126953"/>
+            <a:off x="3893574" y="4196457"/>
+            <a:ext cx="4911213" cy="2249253"/>
           </a:xfrm>
         </p:spPr>
       </p:pic>
       <p:pic>
         <p:nvPicPr>
-          <p:cNvPr id="7" name="Picture 6">
+          <p:cNvPr id="10" name="Picture 9">
             <a:extLst>
               <a:ext uri="{FF2B5EF4-FFF2-40B4-BE49-F238E27FC236}">
-                <a16:creationId xmlns:a16="http://schemas.microsoft.com/office/drawing/2014/main" id="{034ED591-EB3D-A66D-50DD-C9D984FAB758}"/>
+                <a16:creationId xmlns:a16="http://schemas.microsoft.com/office/drawing/2014/main" id="{3AF39E0E-38B3-F781-EE15-3A4DC093CA4A}"/>
               </a:ext>
             </a:extLst>
           </p:cNvPr>
@@ -4235,8 +4235,8 @@
         </p:blipFill>
         <p:spPr>
           <a:xfrm>
-            <a:off x="3760839" y="3889588"/>
-            <a:ext cx="4925961" cy="2210576"/>
+            <a:off x="353961" y="1536916"/>
+            <a:ext cx="4995094" cy="2249253"/>
           </a:xfrm>
           <a:prstGeom prst="rect">
             <a:avLst/>

--- a/Presentation/Prezentare_Proiect_MLAgents.pptx
+++ b/Presentation/Prezentare_Proiect_MLAgents.pptx
@@ -3436,11 +3436,23 @@
             </a:r>
             <a:r>
               <a:rPr lang="en-US" dirty="0"/>
-              <a:t>2</a:t>
+              <a:t>2 </a:t>
+            </a:r>
+            <a:r>
+              <a:rPr lang="en-US" dirty="0" err="1"/>
+              <a:t>milioane</a:t>
+            </a:r>
+            <a:r>
+              <a:rPr lang="en-US" dirty="0"/>
+              <a:t> de </a:t>
+            </a:r>
+            <a:r>
+              <a:rPr lang="en-US" dirty="0" err="1"/>
+              <a:t>pasi</a:t>
             </a:r>
             <a:r>
               <a:rPr dirty="0"/>
-              <a:t>M timesteps)</a:t>
+              <a:t>)</a:t>
             </a:r>
           </a:p>
         </p:txBody>
